--- a/NY CitiBike Challenge .pptx
+++ b/NY CitiBike Challenge .pptx
@@ -9,8 +9,8 @@
     <p:sldId id="257" r:id="rId3"/>
     <p:sldId id="258" r:id="rId4"/>
     <p:sldId id="259" r:id="rId5"/>
-    <p:sldId id="260" r:id="rId6"/>
-    <p:sldId id="261" r:id="rId7"/>
+    <p:sldId id="261" r:id="rId6"/>
+    <p:sldId id="260" r:id="rId7"/>
   </p:sldIdLst>
   <p:sldSz cx="12192000" cy="6858000"/>
   <p:notesSz cx="6858000" cy="9144000"/>
@@ -3615,10 +3615,10 @@
       </p:grpSpPr>
       <p:pic>
         <p:nvPicPr>
-          <p:cNvPr id="5" name="slide5" descr="My Citi Bike Story5">
-            <a:extLst>
-              <a:ext uri="{FF2B5EF4-FFF2-40B4-BE49-F238E27FC236}">
-                <a16:creationId xmlns:a16="http://schemas.microsoft.com/office/drawing/2014/main" id="{7F0B8C42-9416-4F24-BED2-748CBB089B85}"/>
+          <p:cNvPr id="6" name="slide6" descr="My Citi Bike Story4">
+            <a:extLst>
+              <a:ext uri="{FF2B5EF4-FFF2-40B4-BE49-F238E27FC236}">
+                <a16:creationId xmlns:a16="http://schemas.microsoft.com/office/drawing/2014/main" id="{A1561DF5-BBE6-42A9-B1E6-E1C961359EF7}"/>
               </a:ext>
             </a:extLst>
           </p:cNvPr>
@@ -3681,10 +3681,10 @@
       </p:grpSpPr>
       <p:pic>
         <p:nvPicPr>
-          <p:cNvPr id="6" name="slide6" descr="My Citi Bike Story4">
-            <a:extLst>
-              <a:ext uri="{FF2B5EF4-FFF2-40B4-BE49-F238E27FC236}">
-                <a16:creationId xmlns:a16="http://schemas.microsoft.com/office/drawing/2014/main" id="{A1561DF5-BBE6-42A9-B1E6-E1C961359EF7}"/>
+          <p:cNvPr id="5" name="slide5" descr="My Citi Bike Story5">
+            <a:extLst>
+              <a:ext uri="{FF2B5EF4-FFF2-40B4-BE49-F238E27FC236}">
+                <a16:creationId xmlns:a16="http://schemas.microsoft.com/office/drawing/2014/main" id="{7F0B8C42-9416-4F24-BED2-748CBB089B85}"/>
               </a:ext>
             </a:extLst>
           </p:cNvPr>

--- a/NY CitiBike Challenge .pptx
+++ b/NY CitiBike Challenge .pptx
@@ -1,16 +1,18 @@
 
 <file path=ppt/presentation.xml><?xml version="1.0" encoding="utf-8"?>
-<p:presentation xmlns:a="http://schemas.openxmlformats.org/drawingml/2006/main" xmlns:r="http://schemas.openxmlformats.org/officeDocument/2006/relationships" xmlns:p="http://schemas.openxmlformats.org/presentationml/2006/main" saveSubsetFonts="1">
+<p:presentation xmlns:a="http://schemas.openxmlformats.org/drawingml/2006/main" xmlns:p="http://schemas.openxmlformats.org/presentationml/2006/main" xmlns:r="http://schemas.openxmlformats.org/officeDocument/2006/relationships" saveSubsetFonts="1">
   <p:sldMasterIdLst>
     <p:sldMasterId id="2147483648" r:id="rId1"/>
   </p:sldMasterIdLst>
   <p:sldIdLst>
-    <p:sldId id="256" r:id="rId2"/>
-    <p:sldId id="257" r:id="rId3"/>
-    <p:sldId id="258" r:id="rId4"/>
-    <p:sldId id="259" r:id="rId5"/>
-    <p:sldId id="261" r:id="rId6"/>
-    <p:sldId id="260" r:id="rId7"/>
+    <p:sldId id="256" r:id="rId6"/>
+    <p:sldId id="257" r:id="rId7"/>
+    <p:sldId id="258" r:id="rId8"/>
+    <p:sldId id="259" r:id="rId9"/>
+    <p:sldId id="260" r:id="rId10"/>
+    <p:sldId id="261" r:id="rId11"/>
+    <p:sldId id="262" r:id="rId12"/>
+    <p:sldId id="263" r:id="rId13"/>
   </p:sldIdLst>
   <p:sldSz cx="12192000" cy="6858000"/>
   <p:notesSz cx="6858000" cy="9144000"/>
@@ -18,8 +20,8 @@
     <a:defPPr>
       <a:defRPr lang="en-US"/>
     </a:defPPr>
-    <a:lvl1pPr marL="0" algn="l" defTabSz="914400" rtl="0" eaLnBrk="1" latinLnBrk="0" hangingPunct="1">
-      <a:defRPr sz="1800" kern="1200">
+    <a:lvl1pPr algn="l" defTabSz="914400" eaLnBrk="1" hangingPunct="1" latinLnBrk="0" marL="0" rtl="0">
+      <a:defRPr kern="1200" sz="1800">
         <a:solidFill>
           <a:schemeClr val="tx1"/>
         </a:solidFill>
@@ -28,8 +30,8 @@
         <a:cs typeface="+mn-cs"/>
       </a:defRPr>
     </a:lvl1pPr>
-    <a:lvl2pPr marL="457200" algn="l" defTabSz="914400" rtl="0" eaLnBrk="1" latinLnBrk="0" hangingPunct="1">
-      <a:defRPr sz="1800" kern="1200">
+    <a:lvl2pPr algn="l" defTabSz="914400" eaLnBrk="1" hangingPunct="1" latinLnBrk="0" marL="457200" rtl="0">
+      <a:defRPr kern="1200" sz="1800">
         <a:solidFill>
           <a:schemeClr val="tx1"/>
         </a:solidFill>
@@ -38,8 +40,8 @@
         <a:cs typeface="+mn-cs"/>
       </a:defRPr>
     </a:lvl2pPr>
-    <a:lvl3pPr marL="914400" algn="l" defTabSz="914400" rtl="0" eaLnBrk="1" latinLnBrk="0" hangingPunct="1">
-      <a:defRPr sz="1800" kern="1200">
+    <a:lvl3pPr algn="l" defTabSz="914400" eaLnBrk="1" hangingPunct="1" latinLnBrk="0" marL="914400" rtl="0">
+      <a:defRPr kern="1200" sz="1800">
         <a:solidFill>
           <a:schemeClr val="tx1"/>
         </a:solidFill>
@@ -48,8 +50,8 @@
         <a:cs typeface="+mn-cs"/>
       </a:defRPr>
     </a:lvl3pPr>
-    <a:lvl4pPr marL="1371600" algn="l" defTabSz="914400" rtl="0" eaLnBrk="1" latinLnBrk="0" hangingPunct="1">
-      <a:defRPr sz="1800" kern="1200">
+    <a:lvl4pPr algn="l" defTabSz="914400" eaLnBrk="1" hangingPunct="1" latinLnBrk="0" marL="1371600" rtl="0">
+      <a:defRPr kern="1200" sz="1800">
         <a:solidFill>
           <a:schemeClr val="tx1"/>
         </a:solidFill>
@@ -58,8 +60,8 @@
         <a:cs typeface="+mn-cs"/>
       </a:defRPr>
     </a:lvl4pPr>
-    <a:lvl5pPr marL="1828800" algn="l" defTabSz="914400" rtl="0" eaLnBrk="1" latinLnBrk="0" hangingPunct="1">
-      <a:defRPr sz="1800" kern="1200">
+    <a:lvl5pPr algn="l" defTabSz="914400" eaLnBrk="1" hangingPunct="1" latinLnBrk="0" marL="1828800" rtl="0">
+      <a:defRPr kern="1200" sz="1800">
         <a:solidFill>
           <a:schemeClr val="tx1"/>
         </a:solidFill>
@@ -68,8 +70,8 @@
         <a:cs typeface="+mn-cs"/>
       </a:defRPr>
     </a:lvl5pPr>
-    <a:lvl6pPr marL="2286000" algn="l" defTabSz="914400" rtl="0" eaLnBrk="1" latinLnBrk="0" hangingPunct="1">
-      <a:defRPr sz="1800" kern="1200">
+    <a:lvl6pPr algn="l" defTabSz="914400" eaLnBrk="1" hangingPunct="1" latinLnBrk="0" marL="2286000" rtl="0">
+      <a:defRPr kern="1200" sz="1800">
         <a:solidFill>
           <a:schemeClr val="tx1"/>
         </a:solidFill>
@@ -78,8 +80,8 @@
         <a:cs typeface="+mn-cs"/>
       </a:defRPr>
     </a:lvl6pPr>
-    <a:lvl7pPr marL="2743200" algn="l" defTabSz="914400" rtl="0" eaLnBrk="1" latinLnBrk="0" hangingPunct="1">
-      <a:defRPr sz="1800" kern="1200">
+    <a:lvl7pPr algn="l" defTabSz="914400" eaLnBrk="1" hangingPunct="1" latinLnBrk="0" marL="2743200" rtl="0">
+      <a:defRPr kern="1200" sz="1800">
         <a:solidFill>
           <a:schemeClr val="tx1"/>
         </a:solidFill>
@@ -88,8 +90,8 @@
         <a:cs typeface="+mn-cs"/>
       </a:defRPr>
     </a:lvl7pPr>
-    <a:lvl8pPr marL="3200400" algn="l" defTabSz="914400" rtl="0" eaLnBrk="1" latinLnBrk="0" hangingPunct="1">
-      <a:defRPr sz="1800" kern="1200">
+    <a:lvl8pPr algn="l" defTabSz="914400" eaLnBrk="1" hangingPunct="1" latinLnBrk="0" marL="3200400" rtl="0">
+      <a:defRPr kern="1200" sz="1800">
         <a:solidFill>
           <a:schemeClr val="tx1"/>
         </a:solidFill>
@@ -98,8 +100,8 @@
         <a:cs typeface="+mn-cs"/>
       </a:defRPr>
     </a:lvl8pPr>
-    <a:lvl9pPr marL="3657600" algn="l" defTabSz="914400" rtl="0" eaLnBrk="1" latinLnBrk="0" hangingPunct="1">
-      <a:defRPr sz="1800" kern="1200">
+    <a:lvl9pPr algn="l" defTabSz="914400" eaLnBrk="1" hangingPunct="1" latinLnBrk="0" marL="3657600" rtl="0">
+      <a:defRPr kern="1200" sz="1800">
         <a:solidFill>
           <a:schemeClr val="tx1"/>
         </a:solidFill>
@@ -109,11 +111,6 @@
       </a:defRPr>
     </a:lvl9pPr>
   </p:defaultTextStyle>
-  <p:extLst>
-    <p:ext uri="{EFAFB233-063F-42B5-8137-9DF3F51BA10A}">
-      <p15:sldGuideLst xmlns:p15="http://schemas.microsoft.com/office/powerpoint/2012/main"/>
-    </p:ext>
-  </p:extLst>
 </p:presentation>
 </file>
 
@@ -264,7 +261,7 @@
           <a:p>
             <a:fld id="{EED1C14C-A143-42F5-B247-D0E800131009}" type="datetimeFigureOut">
               <a:rPr lang="en-US" smtClean="0"/>
-              <a:t>2/3/21</a:t>
+              <a:t>8/15/2018</a:t>
             </a:fld>
             <a:endParaRPr lang="en-US"/>
           </a:p>
@@ -462,7 +459,7 @@
           <a:p>
             <a:fld id="{EED1C14C-A143-42F5-B247-D0E800131009}" type="datetimeFigureOut">
               <a:rPr lang="en-US" smtClean="0"/>
-              <a:t>2/3/21</a:t>
+              <a:t>8/15/2018</a:t>
             </a:fld>
             <a:endParaRPr lang="en-US"/>
           </a:p>
@@ -670,7 +667,7 @@
           <a:p>
             <a:fld id="{EED1C14C-A143-42F5-B247-D0E800131009}" type="datetimeFigureOut">
               <a:rPr lang="en-US" smtClean="0"/>
-              <a:t>2/3/21</a:t>
+              <a:t>8/15/2018</a:t>
             </a:fld>
             <a:endParaRPr lang="en-US"/>
           </a:p>
@@ -868,7 +865,7 @@
           <a:p>
             <a:fld id="{EED1C14C-A143-42F5-B247-D0E800131009}" type="datetimeFigureOut">
               <a:rPr lang="en-US" smtClean="0"/>
-              <a:t>2/3/21</a:t>
+              <a:t>8/15/2018</a:t>
             </a:fld>
             <a:endParaRPr lang="en-US"/>
           </a:p>
@@ -1143,7 +1140,7 @@
           <a:p>
             <a:fld id="{EED1C14C-A143-42F5-B247-D0E800131009}" type="datetimeFigureOut">
               <a:rPr lang="en-US" smtClean="0"/>
-              <a:t>2/3/21</a:t>
+              <a:t>8/15/2018</a:t>
             </a:fld>
             <a:endParaRPr lang="en-US"/>
           </a:p>
@@ -1408,7 +1405,7 @@
           <a:p>
             <a:fld id="{EED1C14C-A143-42F5-B247-D0E800131009}" type="datetimeFigureOut">
               <a:rPr lang="en-US" smtClean="0"/>
-              <a:t>2/3/21</a:t>
+              <a:t>8/15/2018</a:t>
             </a:fld>
             <a:endParaRPr lang="en-US"/>
           </a:p>
@@ -1820,7 +1817,7 @@
           <a:p>
             <a:fld id="{EED1C14C-A143-42F5-B247-D0E800131009}" type="datetimeFigureOut">
               <a:rPr lang="en-US" smtClean="0"/>
-              <a:t>2/3/21</a:t>
+              <a:t>8/15/2018</a:t>
             </a:fld>
             <a:endParaRPr lang="en-US"/>
           </a:p>
@@ -1961,7 +1958,7 @@
           <a:p>
             <a:fld id="{EED1C14C-A143-42F5-B247-D0E800131009}" type="datetimeFigureOut">
               <a:rPr lang="en-US" smtClean="0"/>
-              <a:t>2/3/21</a:t>
+              <a:t>8/15/2018</a:t>
             </a:fld>
             <a:endParaRPr lang="en-US"/>
           </a:p>
@@ -2074,7 +2071,7 @@
           <a:p>
             <a:fld id="{EED1C14C-A143-42F5-B247-D0E800131009}" type="datetimeFigureOut">
               <a:rPr lang="en-US" smtClean="0"/>
-              <a:t>2/3/21</a:t>
+              <a:t>8/15/2018</a:t>
             </a:fld>
             <a:endParaRPr lang="en-US"/>
           </a:p>
@@ -2385,7 +2382,7 @@
           <a:p>
             <a:fld id="{EED1C14C-A143-42F5-B247-D0E800131009}" type="datetimeFigureOut">
               <a:rPr lang="en-US" smtClean="0"/>
-              <a:t>2/3/21</a:t>
+              <a:t>8/15/2018</a:t>
             </a:fld>
             <a:endParaRPr lang="en-US"/>
           </a:p>
@@ -2673,7 +2670,7 @@
           <a:p>
             <a:fld id="{EED1C14C-A143-42F5-B247-D0E800131009}" type="datetimeFigureOut">
               <a:rPr lang="en-US" smtClean="0"/>
-              <a:t>2/3/21</a:t>
+              <a:t>8/15/2018</a:t>
             </a:fld>
             <a:endParaRPr lang="en-US"/>
           </a:p>
@@ -2914,7 +2911,7 @@
           <a:p>
             <a:fld id="{EED1C14C-A143-42F5-B247-D0E800131009}" type="datetimeFigureOut">
               <a:rPr lang="en-US" smtClean="0"/>
-              <a:t>2/3/21</a:t>
+              <a:t>8/15/2018</a:t>
             </a:fld>
             <a:endParaRPr lang="en-US"/>
           </a:p>
@@ -3315,7 +3312,7 @@
 </file>
 
 <file path=ppt/slides/slide1.xml><?xml version="1.0" encoding="utf-8"?>
-<p:sld xmlns:a="http://schemas.openxmlformats.org/drawingml/2006/main" xmlns:r="http://schemas.openxmlformats.org/officeDocument/2006/relationships" xmlns:p="http://schemas.openxmlformats.org/presentationml/2006/main">
+<p:sld xmlns:a="http://schemas.openxmlformats.org/drawingml/2006/main" xmlns:p="http://schemas.openxmlformats.org/presentationml/2006/main" xmlns:r="http://schemas.openxmlformats.org/officeDocument/2006/relationships">
   <p:cSld>
     <p:spTree>
       <p:nvGrpSpPr>
@@ -3333,18 +3330,18 @@
       </p:grpSpPr>
       <p:sp>
         <p:nvSpPr>
-          <p:cNvPr id="2" name="slide1">
-            <a:extLst>
-              <a:ext uri="{FF2B5EF4-FFF2-40B4-BE49-F238E27FC236}">
-                <a16:creationId xmlns:a16="http://schemas.microsoft.com/office/drawing/2014/main" id="{875DD117-B4EA-49A4-AAEB-DFB24E15C406}"/>
-              </a:ext>
-            </a:extLst>
-          </p:cNvPr>
-          <p:cNvSpPr>
-            <a:spLocks noGrp="1"/>
-          </p:cNvSpPr>
-          <p:nvPr>
-            <p:ph type="ctrTitle"/>
+          <p:cNvPr id="0" name="slide1">
+            <a:extLst>
+              <a:ext uri="{FF2B5EF4-FFF2-40B4-BE49-F238E27FC236}">
+                <a16:creationId xmlns:a16="http://schemas.microsoft.com/office/drawing/2014/main" id="{FA04016C-1ED4-4E99-872A-CC70B6F69515}"/>
+              </a:ext>
+            </a:extLst>
+          </p:cNvPr>
+          <p:cNvSpPr>
+            <a:spLocks noGrp="1"/>
+          </p:cNvSpPr>
+          <p:nvPr>
+            <p:ph idx="0" type="ctrTitle"/>
           </p:nvPr>
         </p:nvSpPr>
         <p:spPr/>
@@ -3353,6 +3350,7 @@
           <a:lstStyle/>
           <a:p>
             <a:r>
+              <a:rPr/>
               <a:t>NY CitiBike Challenge </a:t>
             </a:r>
           </a:p>
@@ -3360,18 +3358,18 @@
       </p:sp>
       <p:sp>
         <p:nvSpPr>
-          <p:cNvPr id="3" name="slide1">
-            <a:extLst>
-              <a:ext uri="{FF2B5EF4-FFF2-40B4-BE49-F238E27FC236}">
-                <a16:creationId xmlns:a16="http://schemas.microsoft.com/office/drawing/2014/main" id="{0E77223F-40BE-4808-BBFE-5711B8B15252}"/>
-              </a:ext>
-            </a:extLst>
-          </p:cNvPr>
-          <p:cNvSpPr>
-            <a:spLocks noGrp="1"/>
-          </p:cNvSpPr>
-          <p:nvPr>
-            <p:ph type="subTitle" idx="1"/>
+          <p:cNvPr id="1" name="slide1">
+            <a:extLst>
+              <a:ext uri="{FF2B5EF4-FFF2-40B4-BE49-F238E27FC236}">
+                <a16:creationId xmlns:a16="http://schemas.microsoft.com/office/drawing/2014/main" id="{131AD6C1-8C42-4295-88E4-71C586713C64}"/>
+              </a:ext>
+            </a:extLst>
+          </p:cNvPr>
+          <p:cNvSpPr>
+            <a:spLocks noGrp="1"/>
+          </p:cNvSpPr>
+          <p:nvPr>
+            <p:ph idx="1" type="subTitle"/>
           </p:nvPr>
         </p:nvSpPr>
         <p:spPr/>
@@ -3380,7 +3378,8 @@
           <a:lstStyle/>
           <a:p>
             <a:r>
-              <a:t>File created on: 2/3/21 7:12:22 PM EST</a:t>
+              <a:rPr/>
+              <a:t>File created on: 2/3/21 7:18:01 PM EST</a:t>
             </a:r>
           </a:p>
         </p:txBody>
@@ -3399,7 +3398,7 @@
 </file>
 
 <file path=ppt/slides/slide2.xml><?xml version="1.0" encoding="utf-8"?>
-<p:sld xmlns:a="http://schemas.openxmlformats.org/drawingml/2006/main" xmlns:r="http://schemas.openxmlformats.org/officeDocument/2006/relationships" xmlns:p="http://schemas.openxmlformats.org/presentationml/2006/main">
+<p:sld xmlns:a="http://schemas.openxmlformats.org/drawingml/2006/main" xmlns:p="http://schemas.openxmlformats.org/presentationml/2006/main" xmlns:r="http://schemas.openxmlformats.org/officeDocument/2006/relationships">
   <p:cSld>
     <p:spTree>
       <p:nvGrpSpPr>
@@ -3417,10 +3416,10 @@
       </p:grpSpPr>
       <p:pic>
         <p:nvPicPr>
-          <p:cNvPr id="2" name="slide2" descr="My Citi Bike Story2">
-            <a:extLst>
-              <a:ext uri="{FF2B5EF4-FFF2-40B4-BE49-F238E27FC236}">
-                <a16:creationId xmlns:a16="http://schemas.microsoft.com/office/drawing/2014/main" id="{6E4AEC5D-2063-40A9-A10E-6902D068A5CF}"/>
+          <p:cNvPr descr="My Citi Bike Story2" id="2" name="slide2">
+            <a:extLst>
+              <a:ext uri="{FF2B5EF4-FFF2-40B4-BE49-F238E27FC236}">
+                <a16:creationId xmlns:a16="http://schemas.microsoft.com/office/drawing/2014/main" id="{B629E1B1-FDA1-456A-B9DA-51A2ABD4DEC0}"/>
               </a:ext>
             </a:extLst>
           </p:cNvPr>
@@ -3430,7 +3429,7 @@
           <p:nvPr/>
         </p:nvPicPr>
         <p:blipFill>
-          <a:blip r:embed="rId2">
+          <a:blip r:embed="rId7">
             <a:extLst>
               <a:ext uri="{28A0092B-C50C-407E-A947-70E740481C1C}">
                 <a14:useLocalDpi xmlns:a14="http://schemas.microsoft.com/office/drawing/2010/main" val="0"/>
@@ -3465,7 +3464,7 @@
 </file>
 
 <file path=ppt/slides/slide3.xml><?xml version="1.0" encoding="utf-8"?>
-<p:sld xmlns:a="http://schemas.openxmlformats.org/drawingml/2006/main" xmlns:r="http://schemas.openxmlformats.org/officeDocument/2006/relationships" xmlns:p="http://schemas.openxmlformats.org/presentationml/2006/main">
+<p:sld xmlns:a="http://schemas.openxmlformats.org/drawingml/2006/main" xmlns:p="http://schemas.openxmlformats.org/presentationml/2006/main" xmlns:r="http://schemas.openxmlformats.org/officeDocument/2006/relationships">
   <p:cSld>
     <p:spTree>
       <p:nvGrpSpPr>
@@ -3483,10 +3482,10 @@
       </p:grpSpPr>
       <p:pic>
         <p:nvPicPr>
-          <p:cNvPr id="3" name="slide3" descr="My Citi Bike Story1">
-            <a:extLst>
-              <a:ext uri="{FF2B5EF4-FFF2-40B4-BE49-F238E27FC236}">
-                <a16:creationId xmlns:a16="http://schemas.microsoft.com/office/drawing/2014/main" id="{F20C0A81-B371-4075-AA90-B41ED19F74F6}"/>
+          <p:cNvPr descr="My Citi Bike Story1" id="3" name="slide3">
+            <a:extLst>
+              <a:ext uri="{FF2B5EF4-FFF2-40B4-BE49-F238E27FC236}">
+                <a16:creationId xmlns:a16="http://schemas.microsoft.com/office/drawing/2014/main" id="{072EDCA5-8814-42BD-8504-FECCB4F2998C}"/>
               </a:ext>
             </a:extLst>
           </p:cNvPr>
@@ -3496,7 +3495,7 @@
           <p:nvPr/>
         </p:nvPicPr>
         <p:blipFill>
-          <a:blip r:embed="rId2">
+          <a:blip r:embed="rId8">
             <a:extLst>
               <a:ext uri="{28A0092B-C50C-407E-A947-70E740481C1C}">
                 <a14:useLocalDpi xmlns:a14="http://schemas.microsoft.com/office/drawing/2010/main" val="0"/>
@@ -3531,7 +3530,7 @@
 </file>
 
 <file path=ppt/slides/slide4.xml><?xml version="1.0" encoding="utf-8"?>
-<p:sld xmlns:a="http://schemas.openxmlformats.org/drawingml/2006/main" xmlns:r="http://schemas.openxmlformats.org/officeDocument/2006/relationships" xmlns:p="http://schemas.openxmlformats.org/presentationml/2006/main">
+<p:sld xmlns:a="http://schemas.openxmlformats.org/drawingml/2006/main" xmlns:p="http://schemas.openxmlformats.org/presentationml/2006/main" xmlns:r="http://schemas.openxmlformats.org/officeDocument/2006/relationships">
   <p:cSld>
     <p:spTree>
       <p:nvGrpSpPr>
@@ -3549,10 +3548,10 @@
       </p:grpSpPr>
       <p:pic>
         <p:nvPicPr>
-          <p:cNvPr id="4" name="slide4" descr="My Citi Bike Story3">
-            <a:extLst>
-              <a:ext uri="{FF2B5EF4-FFF2-40B4-BE49-F238E27FC236}">
-                <a16:creationId xmlns:a16="http://schemas.microsoft.com/office/drawing/2014/main" id="{A22D37C9-5EC9-4E8D-904D-520385CBDB21}"/>
+          <p:cNvPr descr="My Citi Bike Story3" id="4" name="slide4">
+            <a:extLst>
+              <a:ext uri="{FF2B5EF4-FFF2-40B4-BE49-F238E27FC236}">
+                <a16:creationId xmlns:a16="http://schemas.microsoft.com/office/drawing/2014/main" id="{C28080EA-D744-453A-A258-928B79054C34}"/>
               </a:ext>
             </a:extLst>
           </p:cNvPr>
@@ -3562,7 +3561,7 @@
           <p:nvPr/>
         </p:nvPicPr>
         <p:blipFill>
-          <a:blip r:embed="rId2">
+          <a:blip r:embed="rId9">
             <a:extLst>
               <a:ext uri="{28A0092B-C50C-407E-A947-70E740481C1C}">
                 <a14:useLocalDpi xmlns:a14="http://schemas.microsoft.com/office/drawing/2010/main" val="0"/>
@@ -3597,7 +3596,7 @@
 </file>
 
 <file path=ppt/slides/slide5.xml><?xml version="1.0" encoding="utf-8"?>
-<p:sld xmlns:a="http://schemas.openxmlformats.org/drawingml/2006/main" xmlns:r="http://schemas.openxmlformats.org/officeDocument/2006/relationships" xmlns:p="http://schemas.openxmlformats.org/presentationml/2006/main">
+<p:sld xmlns:a="http://schemas.openxmlformats.org/drawingml/2006/main" xmlns:p="http://schemas.openxmlformats.org/presentationml/2006/main" xmlns:r="http://schemas.openxmlformats.org/officeDocument/2006/relationships">
   <p:cSld>
     <p:spTree>
       <p:nvGrpSpPr>
@@ -3615,10 +3614,10 @@
       </p:grpSpPr>
       <p:pic>
         <p:nvPicPr>
-          <p:cNvPr id="6" name="slide6" descr="My Citi Bike Story4">
-            <a:extLst>
-              <a:ext uri="{FF2B5EF4-FFF2-40B4-BE49-F238E27FC236}">
-                <a16:creationId xmlns:a16="http://schemas.microsoft.com/office/drawing/2014/main" id="{A1561DF5-BBE6-42A9-B1E6-E1C961359EF7}"/>
+          <p:cNvPr descr="My Citi Bike Story5" id="5" name="slide5">
+            <a:extLst>
+              <a:ext uri="{FF2B5EF4-FFF2-40B4-BE49-F238E27FC236}">
+                <a16:creationId xmlns:a16="http://schemas.microsoft.com/office/drawing/2014/main" id="{87A84DF8-A4BC-4955-BEF3-9A378ADFDF62}"/>
               </a:ext>
             </a:extLst>
           </p:cNvPr>
@@ -3628,7 +3627,7 @@
           <p:nvPr/>
         </p:nvPicPr>
         <p:blipFill>
-          <a:blip r:embed="rId2">
+          <a:blip r:embed="rId10">
             <a:extLst>
               <a:ext uri="{28A0092B-C50C-407E-A947-70E740481C1C}">
                 <a14:useLocalDpi xmlns:a14="http://schemas.microsoft.com/office/drawing/2010/main" val="0"/>
@@ -3663,7 +3662,7 @@
 </file>
 
 <file path=ppt/slides/slide6.xml><?xml version="1.0" encoding="utf-8"?>
-<p:sld xmlns:a="http://schemas.openxmlformats.org/drawingml/2006/main" xmlns:r="http://schemas.openxmlformats.org/officeDocument/2006/relationships" xmlns:p="http://schemas.openxmlformats.org/presentationml/2006/main">
+<p:sld xmlns:a="http://schemas.openxmlformats.org/drawingml/2006/main" xmlns:p="http://schemas.openxmlformats.org/presentationml/2006/main" xmlns:r="http://schemas.openxmlformats.org/officeDocument/2006/relationships">
   <p:cSld>
     <p:spTree>
       <p:nvGrpSpPr>
@@ -3681,10 +3680,10 @@
       </p:grpSpPr>
       <p:pic>
         <p:nvPicPr>
-          <p:cNvPr id="5" name="slide5" descr="My Citi Bike Story5">
-            <a:extLst>
-              <a:ext uri="{FF2B5EF4-FFF2-40B4-BE49-F238E27FC236}">
-                <a16:creationId xmlns:a16="http://schemas.microsoft.com/office/drawing/2014/main" id="{7F0B8C42-9416-4F24-BED2-748CBB089B85}"/>
+          <p:cNvPr descr="My Citi Bike Story4" id="6" name="slide6">
+            <a:extLst>
+              <a:ext uri="{FF2B5EF4-FFF2-40B4-BE49-F238E27FC236}">
+                <a16:creationId xmlns:a16="http://schemas.microsoft.com/office/drawing/2014/main" id="{495B9627-0A51-45B0-B0EF-CA06DF26CD9D}"/>
               </a:ext>
             </a:extLst>
           </p:cNvPr>
@@ -3694,7 +3693,7 @@
           <p:nvPr/>
         </p:nvPicPr>
         <p:blipFill>
-          <a:blip r:embed="rId2">
+          <a:blip r:embed="rId11">
             <a:extLst>
               <a:ext uri="{28A0092B-C50C-407E-A947-70E740481C1C}">
                 <a14:useLocalDpi xmlns:a14="http://schemas.microsoft.com/office/drawing/2010/main" val="0"/>
@@ -3715,6 +3714,168 @@
           </a:prstGeom>
         </p:spPr>
       </p:pic>
+    </p:spTree>
+    <p:extLst>
+      <p:ext uri="{BB962C8B-B14F-4D97-AF65-F5344CB8AC3E}">
+        <p14:creationId xmlns:p14="http://schemas.microsoft.com/office/powerpoint/2010/main" val="95992585"/>
+      </p:ext>
+    </p:extLst>
+  </p:cSld>
+  <p:clrMapOvr>
+    <a:masterClrMapping/>
+  </p:clrMapOvr>
+</p:sld>
+</file>
+
+<file path=ppt/slides/slide7.xml><?xml version="1.0" encoding="utf-8"?>
+<p:sld xmlns:a="http://schemas.openxmlformats.org/drawingml/2006/main" xmlns:p="http://schemas.openxmlformats.org/presentationml/2006/main" xmlns:r="http://schemas.openxmlformats.org/officeDocument/2006/relationships">
+  <p:cSld>
+    <p:spTree>
+      <p:nvGrpSpPr>
+        <p:cNvPr id="1" name=""/>
+        <p:cNvGrpSpPr/>
+        <p:nvPr/>
+      </p:nvGrpSpPr>
+      <p:grpSpPr>
+        <a:xfrm>
+          <a:off x="0" y="0"/>
+          <a:ext cx="0" cy="0"/>
+          <a:chOff x="0" y="0"/>
+          <a:chExt cx="0" cy="0"/>
+        </a:xfrm>
+      </p:grpSpPr>
+      <p:pic>
+        <p:nvPicPr>
+          <p:cNvPr descr="My Citi Bike Story6" id="7" name="slide7">
+            <a:extLst>
+              <a:ext uri="{FF2B5EF4-FFF2-40B4-BE49-F238E27FC236}">
+                <a16:creationId xmlns:a16="http://schemas.microsoft.com/office/drawing/2014/main" id="{A86F7FF0-9595-4A74-A35F-6D295AF56093}"/>
+              </a:ext>
+            </a:extLst>
+          </p:cNvPr>
+          <p:cNvPicPr>
+            <a:picLocks noChangeAspect="1"/>
+          </p:cNvPicPr>
+          <p:nvPr/>
+        </p:nvPicPr>
+        <p:blipFill>
+          <a:blip r:embed="rId12">
+            <a:extLst>
+              <a:ext uri="{28A0092B-C50C-407E-A947-70E740481C1C}">
+                <a14:useLocalDpi xmlns:a14="http://schemas.microsoft.com/office/drawing/2010/main" val="0"/>
+              </a:ext>
+            </a:extLst>
+          </a:blip>
+          <a:stretch>
+            <a:fillRect/>
+          </a:stretch>
+        </p:blipFill>
+        <p:spPr>
+          <a:xfrm>
+            <a:off x="2482033" y="0"/>
+            <a:ext cx="7227934" cy="6858000"/>
+          </a:xfrm>
+          <a:prstGeom prst="rect">
+            <a:avLst/>
+          </a:prstGeom>
+        </p:spPr>
+      </p:pic>
+    </p:spTree>
+    <p:extLst>
+      <p:ext uri="{BB962C8B-B14F-4D97-AF65-F5344CB8AC3E}">
+        <p14:creationId xmlns:p14="http://schemas.microsoft.com/office/powerpoint/2010/main" val="95992585"/>
+      </p:ext>
+    </p:extLst>
+  </p:cSld>
+  <p:clrMapOvr>
+    <a:masterClrMapping/>
+  </p:clrMapOvr>
+</p:sld>
+</file>
+
+<file path=ppt/slides/slide8.xml><?xml version="1.0" encoding="utf-8"?>
+<p:sld xmlns:a="http://schemas.openxmlformats.org/drawingml/2006/main" xmlns:p="http://schemas.openxmlformats.org/presentationml/2006/main" xmlns:r="http://schemas.openxmlformats.org/officeDocument/2006/relationships">
+  <p:cSld>
+    <p:spTree>
+      <p:nvGrpSpPr>
+        <p:cNvPr id="1" name=""/>
+        <p:cNvGrpSpPr/>
+        <p:nvPr/>
+      </p:nvGrpSpPr>
+      <p:grpSpPr>
+        <a:xfrm>
+          <a:off x="0" y="0"/>
+          <a:ext cx="0" cy="0"/>
+          <a:chOff x="0" y="0"/>
+          <a:chExt cx="0" cy="0"/>
+        </a:xfrm>
+      </p:grpSpPr>
+      <p:pic>
+        <p:nvPicPr>
+          <p:cNvPr descr="My Citi Bike Story7" id="8" name="slide8">
+            <a:extLst>
+              <a:ext uri="{FF2B5EF4-FFF2-40B4-BE49-F238E27FC236}">
+                <a16:creationId xmlns:a16="http://schemas.microsoft.com/office/drawing/2014/main" id="{7991407F-3167-4F77-A0DB-51942D558146}"/>
+              </a:ext>
+            </a:extLst>
+          </p:cNvPr>
+          <p:cNvPicPr>
+            <a:picLocks noChangeAspect="1"/>
+          </p:cNvPicPr>
+          <p:nvPr/>
+        </p:nvPicPr>
+        <p:blipFill>
+          <a:blip r:embed="rId13">
+            <a:extLst>
+              <a:ext uri="{28A0092B-C50C-407E-A947-70E740481C1C}">
+                <a14:useLocalDpi xmlns:a14="http://schemas.microsoft.com/office/drawing/2010/main" val="0"/>
+              </a:ext>
+            </a:extLst>
+          </a:blip>
+          <a:stretch>
+            <a:fillRect/>
+          </a:stretch>
+        </p:blipFill>
+        <p:spPr>
+          <a:xfrm>
+            <a:off x="2482033" y="0"/>
+            <a:ext cx="7227934" cy="6858000"/>
+          </a:xfrm>
+          <a:prstGeom prst="rect">
+            <a:avLst/>
+          </a:prstGeom>
+        </p:spPr>
+      </p:pic>
+    </p:spTree>
+    <p:extLst>
+      <p:ext uri="{BB962C8B-B14F-4D97-AF65-F5344CB8AC3E}">
+        <p14:creationId xmlns:p14="http://schemas.microsoft.com/office/powerpoint/2010/main" val="95992585"/>
+      </p:ext>
+    </p:extLst>
+  </p:cSld>
+  <p:clrMapOvr>
+    <a:masterClrMapping/>
+  </p:clrMapOvr>
+</p:sld>
+</file>
+
+<file path=ppt/slides/slideTemplate.xml><?xml version="1.0" encoding="utf-8"?>
+<p:sld xmlns:a="http://schemas.openxmlformats.org/drawingml/2006/main" xmlns:r="http://schemas.openxmlformats.org/officeDocument/2006/relationships" xmlns:p="http://schemas.openxmlformats.org/presentationml/2006/main">
+  <p:cSld>
+    <p:spTree>
+      <p:nvGrpSpPr>
+        <p:cNvPr id="1" name=""/>
+        <p:cNvGrpSpPr/>
+        <p:nvPr/>
+      </p:nvGrpSpPr>
+      <p:grpSpPr>
+        <a:xfrm>
+          <a:off x="0" y="0"/>
+          <a:ext cx="0" cy="0"/>
+          <a:chOff x="0" y="0"/>
+          <a:chExt cx="0" cy="0"/>
+        </a:xfrm>
+      </p:grpSpPr>
     </p:spTree>
     <p:extLst>
       <p:ext uri="{BB962C8B-B14F-4D97-AF65-F5344CB8AC3E}">
